--- a/week9.pptx
+++ b/week9.pptx
@@ -234,7 +234,7 @@
           <a:p>
             <a:fld id="{9FB9E9BD-EB64-8F45-9070-61501862EA88}" type="datetimeFigureOut">
               <a:rPr lang="en-US" smtClean="0"/>
-              <a:t>10/23/2016</a:t>
+              <a:t>10/29/2016</a:t>
             </a:fld>
             <a:endParaRPr lang="en-US"/>
           </a:p>
@@ -1993,7 +1993,7 @@
           <a:p>
             <a:fld id="{E2D9E196-2416-8A4F-9949-94D6A62FC530}" type="datetimeFigureOut">
               <a:rPr lang="en-US" smtClean="0"/>
-              <a:t>10/23/2016</a:t>
+              <a:t>10/29/2016</a:t>
             </a:fld>
             <a:endParaRPr lang="en-US"/>
           </a:p>
@@ -2161,7 +2161,7 @@
           <a:p>
             <a:fld id="{E2D9E196-2416-8A4F-9949-94D6A62FC530}" type="datetimeFigureOut">
               <a:rPr lang="en-US" smtClean="0"/>
-              <a:t>10/23/2016</a:t>
+              <a:t>10/29/2016</a:t>
             </a:fld>
             <a:endParaRPr lang="en-US"/>
           </a:p>
@@ -2339,7 +2339,7 @@
           <a:p>
             <a:fld id="{E2D9E196-2416-8A4F-9949-94D6A62FC530}" type="datetimeFigureOut">
               <a:rPr lang="en-US" smtClean="0"/>
-              <a:t>10/23/2016</a:t>
+              <a:t>10/29/2016</a:t>
             </a:fld>
             <a:endParaRPr lang="en-US"/>
           </a:p>
@@ -2507,7 +2507,7 @@
           <a:p>
             <a:fld id="{E2D9E196-2416-8A4F-9949-94D6A62FC530}" type="datetimeFigureOut">
               <a:rPr lang="en-US" smtClean="0"/>
-              <a:t>10/23/2016</a:t>
+              <a:t>10/29/2016</a:t>
             </a:fld>
             <a:endParaRPr lang="en-US"/>
           </a:p>
@@ -2752,7 +2752,7 @@
           <a:p>
             <a:fld id="{E2D9E196-2416-8A4F-9949-94D6A62FC530}" type="datetimeFigureOut">
               <a:rPr lang="en-US" smtClean="0"/>
-              <a:t>10/23/2016</a:t>
+              <a:t>10/29/2016</a:t>
             </a:fld>
             <a:endParaRPr lang="en-US"/>
           </a:p>
@@ -3037,7 +3037,7 @@
           <a:p>
             <a:fld id="{E2D9E196-2416-8A4F-9949-94D6A62FC530}" type="datetimeFigureOut">
               <a:rPr lang="en-US" smtClean="0"/>
-              <a:t>10/23/2016</a:t>
+              <a:t>10/29/2016</a:t>
             </a:fld>
             <a:endParaRPr lang="en-US"/>
           </a:p>
@@ -3456,7 +3456,7 @@
           <a:p>
             <a:fld id="{E2D9E196-2416-8A4F-9949-94D6A62FC530}" type="datetimeFigureOut">
               <a:rPr lang="en-US" smtClean="0"/>
-              <a:t>10/23/2016</a:t>
+              <a:t>10/29/2016</a:t>
             </a:fld>
             <a:endParaRPr lang="en-US"/>
           </a:p>
@@ -3573,7 +3573,7 @@
           <a:p>
             <a:fld id="{E2D9E196-2416-8A4F-9949-94D6A62FC530}" type="datetimeFigureOut">
               <a:rPr lang="en-US" smtClean="0"/>
-              <a:t>10/23/2016</a:t>
+              <a:t>10/29/2016</a:t>
             </a:fld>
             <a:endParaRPr lang="en-US"/>
           </a:p>
@@ -3668,7 +3668,7 @@
           <a:p>
             <a:fld id="{E2D9E196-2416-8A4F-9949-94D6A62FC530}" type="datetimeFigureOut">
               <a:rPr lang="en-US" smtClean="0"/>
-              <a:t>10/23/2016</a:t>
+              <a:t>10/29/2016</a:t>
             </a:fld>
             <a:endParaRPr lang="en-US"/>
           </a:p>
@@ -3943,7 +3943,7 @@
           <a:p>
             <a:fld id="{E2D9E196-2416-8A4F-9949-94D6A62FC530}" type="datetimeFigureOut">
               <a:rPr lang="en-US" smtClean="0"/>
-              <a:t>10/23/2016</a:t>
+              <a:t>10/29/2016</a:t>
             </a:fld>
             <a:endParaRPr lang="en-US"/>
           </a:p>
@@ -4195,7 +4195,7 @@
           <a:p>
             <a:fld id="{E2D9E196-2416-8A4F-9949-94D6A62FC530}" type="datetimeFigureOut">
               <a:rPr lang="en-US" smtClean="0"/>
-              <a:t>10/23/2016</a:t>
+              <a:t>10/29/2016</a:t>
             </a:fld>
             <a:endParaRPr lang="en-US"/>
           </a:p>
@@ -4406,7 +4406,7 @@
           <a:p>
             <a:fld id="{E2D9E196-2416-8A4F-9949-94D6A62FC530}" type="datetimeFigureOut">
               <a:rPr lang="en-US" smtClean="0"/>
-              <a:t>10/23/2016</a:t>
+              <a:t>10/29/2016</a:t>
             </a:fld>
             <a:endParaRPr lang="en-US"/>
           </a:p>
@@ -5605,7 +5605,7 @@
           <a:graphicData uri="http://schemas.openxmlformats.org/presentationml/2006/ole">
             <mc:AlternateContent xmlns:mc="http://schemas.openxmlformats.org/markup-compatibility/2006">
               <mc:Choice xmlns:v="urn:schemas-microsoft-com:vml" Requires="v">
-                <p:oleObj spid="_x0000_s4287" name="Equation" r:id="rId3" imgW="2032000" imgH="279400" progId="Equation.3">
+                <p:oleObj spid="_x0000_s4295" name="Equation" r:id="rId3" imgW="2032000" imgH="279400" progId="Equation.3">
                   <p:embed/>
                 </p:oleObj>
               </mc:Choice>
@@ -5670,7 +5670,7 @@
           <a:graphicData uri="http://schemas.openxmlformats.org/presentationml/2006/ole">
             <mc:AlternateContent xmlns:mc="http://schemas.openxmlformats.org/markup-compatibility/2006">
               <mc:Choice xmlns:v="urn:schemas-microsoft-com:vml" Requires="v">
-                <p:oleObj spid="_x0000_s4288" name="Equation" r:id="rId5" imgW="1892300" imgH="444500" progId="Equation.3">
+                <p:oleObj spid="_x0000_s4296" name="Equation" r:id="rId5" imgW="1892300" imgH="444500" progId="Equation.3">
                   <p:embed/>
                 </p:oleObj>
               </mc:Choice>
@@ -5737,7 +5737,7 @@
           <a:graphicData uri="http://schemas.openxmlformats.org/presentationml/2006/ole">
             <mc:AlternateContent xmlns:mc="http://schemas.openxmlformats.org/markup-compatibility/2006">
               <mc:Choice xmlns:v="urn:schemas-microsoft-com:vml" Requires="v">
-                <p:oleObj spid="_x0000_s4289" name="Equation" r:id="rId7" imgW="1981200" imgH="419100" progId="Equation.3">
+                <p:oleObj spid="_x0000_s4297" name="Equation" r:id="rId7" imgW="1981200" imgH="419100" progId="Equation.3">
                   <p:embed/>
                 </p:oleObj>
               </mc:Choice>
@@ -5808,7 +5808,7 @@
           <a:graphicData uri="http://schemas.openxmlformats.org/presentationml/2006/ole">
             <mc:AlternateContent xmlns:mc="http://schemas.openxmlformats.org/markup-compatibility/2006">
               <mc:Choice xmlns:v="urn:schemas-microsoft-com:vml" Requires="v">
-                <p:oleObj spid="_x0000_s4290" name="Equation" r:id="rId9" imgW="1917700" imgH="215900" progId="Equation.3">
+                <p:oleObj spid="_x0000_s4298" name="Equation" r:id="rId9" imgW="1917700" imgH="215900" progId="Equation.3">
                   <p:embed/>
                 </p:oleObj>
               </mc:Choice>
@@ -7279,7 +7279,7 @@
           <a:graphicData uri="http://schemas.openxmlformats.org/presentationml/2006/ole">
             <mc:AlternateContent xmlns:mc="http://schemas.openxmlformats.org/markup-compatibility/2006">
               <mc:Choice xmlns:v="urn:schemas-microsoft-com:vml" Requires="v">
-                <p:oleObj spid="_x0000_s5297" name="Equation" r:id="rId4" imgW="520700" imgH="419100" progId="Equation.3">
+                <p:oleObj spid="_x0000_s5305" name="Equation" r:id="rId4" imgW="520700" imgH="419100" progId="Equation.3">
                   <p:embed/>
                 </p:oleObj>
               </mc:Choice>
@@ -7427,7 +7427,7 @@
           <a:graphicData uri="http://schemas.openxmlformats.org/presentationml/2006/ole">
             <mc:AlternateContent xmlns:mc="http://schemas.openxmlformats.org/markup-compatibility/2006">
               <mc:Choice xmlns:v="urn:schemas-microsoft-com:vml" Requires="v">
-                <p:oleObj spid="_x0000_s5298" name="Equation" r:id="rId6" imgW="520700" imgH="419100" progId="Equation.3">
+                <p:oleObj spid="_x0000_s5306" name="Equation" r:id="rId6" imgW="520700" imgH="419100" progId="Equation.3">
                   <p:embed/>
                 </p:oleObj>
               </mc:Choice>
@@ -7631,7 +7631,7 @@
           <a:graphicData uri="http://schemas.openxmlformats.org/presentationml/2006/ole">
             <mc:AlternateContent xmlns:mc="http://schemas.openxmlformats.org/markup-compatibility/2006">
               <mc:Choice xmlns:v="urn:schemas-microsoft-com:vml" Requires="v">
-                <p:oleObj spid="_x0000_s5299" name="Equation" r:id="rId8" imgW="520700" imgH="419100" progId="Equation.3">
+                <p:oleObj spid="_x0000_s5307" name="Equation" r:id="rId8" imgW="520700" imgH="419100" progId="Equation.3">
                   <p:embed/>
                 </p:oleObj>
               </mc:Choice>
@@ -7782,7 +7782,7 @@
           <a:graphicData uri="http://schemas.openxmlformats.org/presentationml/2006/ole">
             <mc:AlternateContent xmlns:mc="http://schemas.openxmlformats.org/markup-compatibility/2006">
               <mc:Choice xmlns:v="urn:schemas-microsoft-com:vml" Requires="v">
-                <p:oleObj spid="_x0000_s5300" name="Equation" r:id="rId10" imgW="901700" imgH="419100" progId="Equation.3">
+                <p:oleObj spid="_x0000_s5308" name="Equation" r:id="rId10" imgW="901700" imgH="419100" progId="Equation.3">
                   <p:embed/>
                 </p:oleObj>
               </mc:Choice>
@@ -17811,7 +17811,7 @@
           <a:graphicData uri="http://schemas.openxmlformats.org/presentationml/2006/ole">
             <mc:AlternateContent xmlns:mc="http://schemas.openxmlformats.org/markup-compatibility/2006">
               <mc:Choice xmlns:v="urn:schemas-microsoft-com:vml" Requires="v">
-                <p:oleObj spid="_x0000_s11383" name="Equation" r:id="rId3" imgW="2705100" imgH="495300" progId="Equation.3">
+                <p:oleObj spid="_x0000_s11391" name="Equation" r:id="rId3" imgW="2705100" imgH="495300" progId="Equation.3">
                   <p:embed/>
                 </p:oleObj>
               </mc:Choice>
@@ -17876,7 +17876,7 @@
           <a:graphicData uri="http://schemas.openxmlformats.org/presentationml/2006/ole">
             <mc:AlternateContent xmlns:mc="http://schemas.openxmlformats.org/markup-compatibility/2006">
               <mc:Choice xmlns:v="urn:schemas-microsoft-com:vml" Requires="v">
-                <p:oleObj spid="_x0000_s11384" name="Equation" r:id="rId5" imgW="1841500" imgH="584200" progId="Equation.3">
+                <p:oleObj spid="_x0000_s11392" name="Equation" r:id="rId5" imgW="1841500" imgH="584200" progId="Equation.3">
                   <p:embed/>
                 </p:oleObj>
               </mc:Choice>
@@ -18028,7 +18028,7 @@
           <a:graphicData uri="http://schemas.openxmlformats.org/presentationml/2006/ole">
             <mc:AlternateContent xmlns:mc="http://schemas.openxmlformats.org/markup-compatibility/2006">
               <mc:Choice xmlns:v="urn:schemas-microsoft-com:vml" Requires="v">
-                <p:oleObj spid="_x0000_s11385" name="Equation" r:id="rId7" imgW="1079500" imgH="342900" progId="Equation.3">
+                <p:oleObj spid="_x0000_s11393" name="Equation" r:id="rId7" imgW="1079500" imgH="342900" progId="Equation.3">
                   <p:embed/>
                 </p:oleObj>
               </mc:Choice>
@@ -18281,7 +18281,7 @@
           <a:graphicData uri="http://schemas.openxmlformats.org/presentationml/2006/ole">
             <mc:AlternateContent xmlns:mc="http://schemas.openxmlformats.org/markup-compatibility/2006">
               <mc:Choice xmlns:v="urn:schemas-microsoft-com:vml" Requires="v">
-                <p:oleObj spid="_x0000_s11386" name="Equation" r:id="rId9" imgW="1727200" imgH="393700" progId="Equation.3">
+                <p:oleObj spid="_x0000_s11394" name="Equation" r:id="rId9" imgW="1727200" imgH="393700" progId="Equation.3">
                   <p:embed/>
                 </p:oleObj>
               </mc:Choice>
@@ -18752,7 +18752,7 @@
           <a:graphicData uri="http://schemas.openxmlformats.org/presentationml/2006/ole">
             <mc:AlternateContent xmlns:mc="http://schemas.openxmlformats.org/markup-compatibility/2006">
               <mc:Choice xmlns:v="urn:schemas-microsoft-com:vml" Requires="v">
-                <p:oleObj spid="_x0000_s12341" name="Equation" r:id="rId3" imgW="1587500" imgH="457200" progId="Equation.3">
+                <p:oleObj spid="_x0000_s12345" name="Equation" r:id="rId3" imgW="1587500" imgH="457200" progId="Equation.3">
                   <p:embed/>
                 </p:oleObj>
               </mc:Choice>
@@ -18934,7 +18934,7 @@
           <a:graphicData uri="http://schemas.openxmlformats.org/presentationml/2006/ole">
             <mc:AlternateContent xmlns:mc="http://schemas.openxmlformats.org/markup-compatibility/2006">
               <mc:Choice xmlns:v="urn:schemas-microsoft-com:vml" Requires="v">
-                <p:oleObj spid="_x0000_s12342" name="Equation" r:id="rId5" imgW="889000" imgH="203200" progId="Equation.3">
+                <p:oleObj spid="_x0000_s12346" name="Equation" r:id="rId5" imgW="889000" imgH="203200" progId="Equation.3">
                   <p:embed/>
                 </p:oleObj>
               </mc:Choice>
@@ -21107,7 +21107,7 @@
           <a:graphicData uri="http://schemas.openxmlformats.org/presentationml/2006/ole">
             <mc:AlternateContent xmlns:mc="http://schemas.openxmlformats.org/markup-compatibility/2006">
               <mc:Choice xmlns:v="urn:schemas-microsoft-com:vml" Requires="v">
-                <p:oleObj spid="_x0000_s14377" name="Equation" r:id="rId4" imgW="304800" imgH="165100" progId="Equation.3">
+                <p:oleObj spid="_x0000_s14381" name="Equation" r:id="rId4" imgW="304800" imgH="165100" progId="Equation.3">
                   <p:embed/>
                 </p:oleObj>
               </mc:Choice>
@@ -21208,7 +21208,7 @@
           <a:graphicData uri="http://schemas.openxmlformats.org/presentationml/2006/ole">
             <mc:AlternateContent xmlns:mc="http://schemas.openxmlformats.org/markup-compatibility/2006">
               <mc:Choice xmlns:v="urn:schemas-microsoft-com:vml" Requires="v">
-                <p:oleObj spid="_x0000_s14378" name="Equation" r:id="rId6" imgW="215900" imgH="165100" progId="Equation.3">
+                <p:oleObj spid="_x0000_s14382" name="Equation" r:id="rId6" imgW="215900" imgH="165100" progId="Equation.3">
                   <p:embed/>
                 </p:oleObj>
               </mc:Choice>
@@ -21561,7 +21561,6 @@
               <a:rPr lang="en-US" dirty="0"/>
               <a:t> of vectors</a:t>
             </a:r>
-            <a:endParaRPr lang="en-US" dirty="0"/>
           </a:p>
         </p:txBody>
       </p:sp>
@@ -24016,7 +24015,7 @@
           <a:graphicData uri="http://schemas.openxmlformats.org/presentationml/2006/ole">
             <mc:AlternateContent xmlns:mc="http://schemas.openxmlformats.org/markup-compatibility/2006">
               <mc:Choice xmlns:v="urn:schemas-microsoft-com:vml" Requires="v">
-                <p:oleObj spid="_x0000_s15397" name="Equation" r:id="rId3" imgW="304800" imgH="165100" progId="Equation.3">
+                <p:oleObj spid="_x0000_s15401" name="Equation" r:id="rId3" imgW="304800" imgH="165100" progId="Equation.3">
                   <p:embed/>
                 </p:oleObj>
               </mc:Choice>
@@ -24117,7 +24116,7 @@
           <a:graphicData uri="http://schemas.openxmlformats.org/presentationml/2006/ole">
             <mc:AlternateContent xmlns:mc="http://schemas.openxmlformats.org/markup-compatibility/2006">
               <mc:Choice xmlns:v="urn:schemas-microsoft-com:vml" Requires="v">
-                <p:oleObj spid="_x0000_s15398" name="Equation" r:id="rId5" imgW="215900" imgH="165100" progId="Equation.3">
+                <p:oleObj spid="_x0000_s15402" name="Equation" r:id="rId5" imgW="215900" imgH="165100" progId="Equation.3">
                   <p:embed/>
                 </p:oleObj>
               </mc:Choice>
@@ -24478,7 +24477,7 @@
           <a:graphicData uri="http://schemas.openxmlformats.org/presentationml/2006/ole">
             <mc:AlternateContent xmlns:mc="http://schemas.openxmlformats.org/markup-compatibility/2006">
               <mc:Choice xmlns:v="urn:schemas-microsoft-com:vml" Requires="v">
-                <p:oleObj spid="_x0000_s16511" name="Equation" r:id="rId4" imgW="215900" imgH="165100" progId="Equation.3">
+                <p:oleObj spid="_x0000_s16529" name="Equation" r:id="rId4" imgW="215900" imgH="165100" progId="Equation.3">
                   <p:embed/>
                 </p:oleObj>
               </mc:Choice>
@@ -24573,7 +24572,7 @@
           <a:graphicData uri="http://schemas.openxmlformats.org/presentationml/2006/ole">
             <mc:AlternateContent xmlns:mc="http://schemas.openxmlformats.org/markup-compatibility/2006">
               <mc:Choice xmlns:v="urn:schemas-microsoft-com:vml" Requires="v">
-                <p:oleObj spid="_x0000_s16512" name="Equation" r:id="rId6" imgW="228600" imgH="165100" progId="Equation.3">
+                <p:oleObj spid="_x0000_s16530" name="Equation" r:id="rId6" imgW="228600" imgH="165100" progId="Equation.3">
                   <p:embed/>
                 </p:oleObj>
               </mc:Choice>
@@ -24668,7 +24667,7 @@
           <a:graphicData uri="http://schemas.openxmlformats.org/presentationml/2006/ole">
             <mc:AlternateContent xmlns:mc="http://schemas.openxmlformats.org/markup-compatibility/2006">
               <mc:Choice xmlns:v="urn:schemas-microsoft-com:vml" Requires="v">
-                <p:oleObj spid="_x0000_s16513" name="Equation" r:id="rId8" imgW="482600" imgH="203200" progId="Equation.3">
+                <p:oleObj spid="_x0000_s16531" name="Equation" r:id="rId8" imgW="482600" imgH="203200" progId="Equation.3">
                   <p:embed/>
                 </p:oleObj>
               </mc:Choice>
@@ -24763,7 +24762,7 @@
           <a:graphicData uri="http://schemas.openxmlformats.org/presentationml/2006/ole">
             <mc:AlternateContent xmlns:mc="http://schemas.openxmlformats.org/markup-compatibility/2006">
               <mc:Choice xmlns:v="urn:schemas-microsoft-com:vml" Requires="v">
-                <p:oleObj spid="_x0000_s16514" name="Equation" r:id="rId10" imgW="241300" imgH="165100" progId="Equation.3">
+                <p:oleObj spid="_x0000_s16532" name="Equation" r:id="rId10" imgW="241300" imgH="165100" progId="Equation.3">
                   <p:embed/>
                 </p:oleObj>
               </mc:Choice>
@@ -24858,7 +24857,7 @@
           <a:graphicData uri="http://schemas.openxmlformats.org/presentationml/2006/ole">
             <mc:AlternateContent xmlns:mc="http://schemas.openxmlformats.org/markup-compatibility/2006">
               <mc:Choice xmlns:v="urn:schemas-microsoft-com:vml" Requires="v">
-                <p:oleObj spid="_x0000_s16515" name="Equation" r:id="rId12" imgW="330200" imgH="165100" progId="Equation.3">
+                <p:oleObj spid="_x0000_s16533" name="Equation" r:id="rId12" imgW="330200" imgH="165100" progId="Equation.3">
                   <p:embed/>
                 </p:oleObj>
               </mc:Choice>
@@ -25096,7 +25095,7 @@
           <a:graphicData uri="http://schemas.openxmlformats.org/presentationml/2006/ole">
             <mc:AlternateContent xmlns:mc="http://schemas.openxmlformats.org/markup-compatibility/2006">
               <mc:Choice xmlns:v="urn:schemas-microsoft-com:vml" Requires="v">
-                <p:oleObj spid="_x0000_s16516" name="Equation" r:id="rId14" imgW="203200" imgH="165100" progId="Equation.3">
+                <p:oleObj spid="_x0000_s16534" name="Equation" r:id="rId14" imgW="203200" imgH="165100" progId="Equation.3">
                   <p:embed/>
                 </p:oleObj>
               </mc:Choice>
@@ -25191,7 +25190,7 @@
           <a:graphicData uri="http://schemas.openxmlformats.org/presentationml/2006/ole">
             <mc:AlternateContent xmlns:mc="http://schemas.openxmlformats.org/markup-compatibility/2006">
               <mc:Choice xmlns:v="urn:schemas-microsoft-com:vml" Requires="v">
-                <p:oleObj spid="_x0000_s16517" name="Equation" r:id="rId16" imgW="215900" imgH="165100" progId="Equation.3">
+                <p:oleObj spid="_x0000_s16535" name="Equation" r:id="rId16" imgW="215900" imgH="165100" progId="Equation.3">
                   <p:embed/>
                 </p:oleObj>
               </mc:Choice>
@@ -25286,7 +25285,7 @@
           <a:graphicData uri="http://schemas.openxmlformats.org/presentationml/2006/ole">
             <mc:AlternateContent xmlns:mc="http://schemas.openxmlformats.org/markup-compatibility/2006">
               <mc:Choice xmlns:v="urn:schemas-microsoft-com:vml" Requires="v">
-                <p:oleObj spid="_x0000_s16518" name="Equation" r:id="rId18" imgW="469900" imgH="203200" progId="Equation.3">
+                <p:oleObj spid="_x0000_s16536" name="Equation" r:id="rId18" imgW="469900" imgH="203200" progId="Equation.3">
                   <p:embed/>
                 </p:oleObj>
               </mc:Choice>
@@ -25381,7 +25380,7 @@
           <a:graphicData uri="http://schemas.openxmlformats.org/presentationml/2006/ole">
             <mc:AlternateContent xmlns:mc="http://schemas.openxmlformats.org/markup-compatibility/2006">
               <mc:Choice xmlns:v="urn:schemas-microsoft-com:vml" Requires="v">
-                <p:oleObj spid="_x0000_s16519" name="Equation" r:id="rId20" imgW="228600" imgH="165100" progId="Equation.3">
+                <p:oleObj spid="_x0000_s16537" name="Equation" r:id="rId20" imgW="228600" imgH="165100" progId="Equation.3">
                   <p:embed/>
                 </p:oleObj>
               </mc:Choice>
@@ -26377,7 +26376,6 @@
               <a:rPr lang="en-US" dirty="0"/>
               <a:t> </a:t>
             </a:r>
-            <a:endParaRPr lang="en-US" dirty="0"/>
           </a:p>
         </p:txBody>
       </p:sp>
@@ -29051,7 +29049,7 @@
           <a:graphicData uri="http://schemas.openxmlformats.org/presentationml/2006/ole">
             <mc:AlternateContent xmlns:mc="http://schemas.openxmlformats.org/markup-compatibility/2006">
               <mc:Choice xmlns:v="urn:schemas-microsoft-com:vml" Requires="v">
-                <p:oleObj spid="_x0000_s1089" name="Equation" r:id="rId4" imgW="762000" imgH="203200" progId="Equation.3">
+                <p:oleObj spid="_x0000_s1091" name="Equation" r:id="rId4" imgW="762000" imgH="203200" progId="Equation.3">
                   <p:embed/>
                 </p:oleObj>
               </mc:Choice>
@@ -31232,7 +31230,6 @@
               <a:rPr lang="en-US" dirty="0"/>
               <a:t>Cost function / Error function</a:t>
             </a:r>
-            <a:endParaRPr lang="en-US" dirty="0"/>
           </a:p>
         </p:txBody>
       </p:sp>
